--- a/resources/week-1/intro.pptx
+++ b/resources/week-1/intro.pptx
@@ -110,6 +110,11 @@
       </a:defRPr>
     </a:lvl9pPr>
   </p:defaultTextStyle>
+  <p:extLst>
+    <p:ext uri="{EFAFB233-063F-42B5-8137-9DF3F51BA10A}">
+      <p15:sldGuideLst xmlns:p15="http://schemas.microsoft.com/office/powerpoint/2012/main"/>
+    </p:ext>
+  </p:extLst>
 </p:presentation>
 </file>
 
@@ -260,7 +265,7 @@
           <a:p>
             <a:fld id="{C10BE67A-F089-334D-87AB-102B20234B04}" type="datetimeFigureOut">
               <a:rPr lang="en-US" smtClean="0"/>
-              <a:t>12/10/24</a:t>
+              <a:t>12/12/24</a:t>
             </a:fld>
             <a:endParaRPr lang="en-US"/>
           </a:p>
@@ -458,7 +463,7 @@
           <a:p>
             <a:fld id="{C10BE67A-F089-334D-87AB-102B20234B04}" type="datetimeFigureOut">
               <a:rPr lang="en-US" smtClean="0"/>
-              <a:t>12/10/24</a:t>
+              <a:t>12/12/24</a:t>
             </a:fld>
             <a:endParaRPr lang="en-US"/>
           </a:p>
@@ -666,7 +671,7 @@
           <a:p>
             <a:fld id="{C10BE67A-F089-334D-87AB-102B20234B04}" type="datetimeFigureOut">
               <a:rPr lang="en-US" smtClean="0"/>
-              <a:t>12/10/24</a:t>
+              <a:t>12/12/24</a:t>
             </a:fld>
             <a:endParaRPr lang="en-US"/>
           </a:p>
@@ -903,7 +908,7 @@
           <a:p>
             <a:fld id="{C10BE67A-F089-334D-87AB-102B20234B04}" type="datetimeFigureOut">
               <a:rPr lang="en-US" smtClean="0"/>
-              <a:t>12/10/24</a:t>
+              <a:t>12/12/24</a:t>
             </a:fld>
             <a:endParaRPr lang="en-US"/>
           </a:p>
@@ -1178,7 +1183,7 @@
           <a:p>
             <a:fld id="{C10BE67A-F089-334D-87AB-102B20234B04}" type="datetimeFigureOut">
               <a:rPr lang="en-US" smtClean="0"/>
-              <a:t>12/10/24</a:t>
+              <a:t>12/12/24</a:t>
             </a:fld>
             <a:endParaRPr lang="en-US"/>
           </a:p>
@@ -1443,7 +1448,7 @@
           <a:p>
             <a:fld id="{C10BE67A-F089-334D-87AB-102B20234B04}" type="datetimeFigureOut">
               <a:rPr lang="en-US" smtClean="0"/>
-              <a:t>12/10/24</a:t>
+              <a:t>12/12/24</a:t>
             </a:fld>
             <a:endParaRPr lang="en-US"/>
           </a:p>
@@ -1855,7 +1860,7 @@
           <a:p>
             <a:fld id="{C10BE67A-F089-334D-87AB-102B20234B04}" type="datetimeFigureOut">
               <a:rPr lang="en-US" smtClean="0"/>
-              <a:t>12/10/24</a:t>
+              <a:t>12/12/24</a:t>
             </a:fld>
             <a:endParaRPr lang="en-US"/>
           </a:p>
@@ -1996,7 +2001,7 @@
           <a:p>
             <a:fld id="{C10BE67A-F089-334D-87AB-102B20234B04}" type="datetimeFigureOut">
               <a:rPr lang="en-US" smtClean="0"/>
-              <a:t>12/10/24</a:t>
+              <a:t>12/12/24</a:t>
             </a:fld>
             <a:endParaRPr lang="en-US"/>
           </a:p>
@@ -2109,7 +2114,7 @@
           <a:p>
             <a:fld id="{C10BE67A-F089-334D-87AB-102B20234B04}" type="datetimeFigureOut">
               <a:rPr lang="en-US" smtClean="0"/>
-              <a:t>12/10/24</a:t>
+              <a:t>12/12/24</a:t>
             </a:fld>
             <a:endParaRPr lang="en-US"/>
           </a:p>
@@ -2420,7 +2425,7 @@
           <a:p>
             <a:fld id="{C10BE67A-F089-334D-87AB-102B20234B04}" type="datetimeFigureOut">
               <a:rPr lang="en-US" smtClean="0"/>
-              <a:t>12/10/24</a:t>
+              <a:t>12/12/24</a:t>
             </a:fld>
             <a:endParaRPr lang="en-US"/>
           </a:p>
@@ -2708,7 +2713,7 @@
           <a:p>
             <a:fld id="{C10BE67A-F089-334D-87AB-102B20234B04}" type="datetimeFigureOut">
               <a:rPr lang="en-US" smtClean="0"/>
-              <a:t>12/10/24</a:t>
+              <a:t>12/12/24</a:t>
             </a:fld>
             <a:endParaRPr lang="en-US"/>
           </a:p>
@@ -2949,7 +2954,7 @@
           <a:p>
             <a:fld id="{C10BE67A-F089-334D-87AB-102B20234B04}" type="datetimeFigureOut">
               <a:rPr lang="en-US" smtClean="0"/>
-              <a:t>12/10/24</a:t>
+              <a:t>12/12/24</a:t>
             </a:fld>
             <a:endParaRPr lang="en-US"/>
           </a:p>
@@ -3396,8 +3401,8 @@
           <a:lstStyle/>
           <a:p>
             <a:r>
-              <a:rPr lang="en-US" dirty="0"/>
-              <a:t>LASE 2515</a:t>
+              <a:rPr lang="en-US"/>
+              <a:t>Week 1</a:t>
             </a:r>
             <a:br>
               <a:rPr lang="en-US" dirty="0"/>
@@ -3634,7 +3639,7 @@
           </a:ln>
           <a:extLst>
             <a:ext uri="{C572A759-6A51-4108-AA02-DFA0A04FC94B}">
-              <ma14:wrappingTextBoxFlag xmlns="" xmlns:ma14="http://schemas.microsoft.com/office/mac/drawingml/2011/main" val="1"/>
+              <ma14:wrappingTextBoxFlag xmlns:ma14="http://schemas.microsoft.com/office/mac/drawingml/2011/main" xmlns="" val="1"/>
             </a:ext>
           </a:extLst>
         </p:spPr>
@@ -3939,7 +3944,7 @@
           </a:ln>
           <a:extLst>
             <a:ext uri="{C572A759-6A51-4108-AA02-DFA0A04FC94B}">
-              <ma14:wrappingTextBoxFlag xmlns="" xmlns:ma14="http://schemas.microsoft.com/office/mac/drawingml/2011/main" val="1"/>
+              <ma14:wrappingTextBoxFlag xmlns:ma14="http://schemas.microsoft.com/office/mac/drawingml/2011/main" xmlns="" val="1"/>
             </a:ext>
           </a:extLst>
         </p:spPr>

--- a/resources/week-1/intro.pptx
+++ b/resources/week-1/intro.pptx
@@ -11,7 +11,9 @@
     <p:sldId id="260" r:id="rId5"/>
     <p:sldId id="262" r:id="rId6"/>
     <p:sldId id="259" r:id="rId7"/>
-    <p:sldId id="261" r:id="rId8"/>
+    <p:sldId id="264" r:id="rId8"/>
+    <p:sldId id="263" r:id="rId9"/>
+    <p:sldId id="261" r:id="rId10"/>
   </p:sldIdLst>
   <p:sldSz cx="12192000" cy="6858000"/>
   <p:notesSz cx="6858000" cy="9144000"/>
@@ -265,7 +267,7 @@
           <a:p>
             <a:fld id="{C10BE67A-F089-334D-87AB-102B20234B04}" type="datetimeFigureOut">
               <a:rPr lang="en-US" smtClean="0"/>
-              <a:t>12/12/24</a:t>
+              <a:t>1/13/25</a:t>
             </a:fld>
             <a:endParaRPr lang="en-US"/>
           </a:p>
@@ -463,7 +465,7 @@
           <a:p>
             <a:fld id="{C10BE67A-F089-334D-87AB-102B20234B04}" type="datetimeFigureOut">
               <a:rPr lang="en-US" smtClean="0"/>
-              <a:t>12/12/24</a:t>
+              <a:t>1/13/25</a:t>
             </a:fld>
             <a:endParaRPr lang="en-US"/>
           </a:p>
@@ -671,7 +673,7 @@
           <a:p>
             <a:fld id="{C10BE67A-F089-334D-87AB-102B20234B04}" type="datetimeFigureOut">
               <a:rPr lang="en-US" smtClean="0"/>
-              <a:t>12/12/24</a:t>
+              <a:t>1/13/25</a:t>
             </a:fld>
             <a:endParaRPr lang="en-US"/>
           </a:p>
@@ -908,7 +910,7 @@
           <a:p>
             <a:fld id="{C10BE67A-F089-334D-87AB-102B20234B04}" type="datetimeFigureOut">
               <a:rPr lang="en-US" smtClean="0"/>
-              <a:t>12/12/24</a:t>
+              <a:t>1/13/25</a:t>
             </a:fld>
             <a:endParaRPr lang="en-US"/>
           </a:p>
@@ -1183,7 +1185,7 @@
           <a:p>
             <a:fld id="{C10BE67A-F089-334D-87AB-102B20234B04}" type="datetimeFigureOut">
               <a:rPr lang="en-US" smtClean="0"/>
-              <a:t>12/12/24</a:t>
+              <a:t>1/13/25</a:t>
             </a:fld>
             <a:endParaRPr lang="en-US"/>
           </a:p>
@@ -1448,7 +1450,7 @@
           <a:p>
             <a:fld id="{C10BE67A-F089-334D-87AB-102B20234B04}" type="datetimeFigureOut">
               <a:rPr lang="en-US" smtClean="0"/>
-              <a:t>12/12/24</a:t>
+              <a:t>1/13/25</a:t>
             </a:fld>
             <a:endParaRPr lang="en-US"/>
           </a:p>
@@ -1860,7 +1862,7 @@
           <a:p>
             <a:fld id="{C10BE67A-F089-334D-87AB-102B20234B04}" type="datetimeFigureOut">
               <a:rPr lang="en-US" smtClean="0"/>
-              <a:t>12/12/24</a:t>
+              <a:t>1/13/25</a:t>
             </a:fld>
             <a:endParaRPr lang="en-US"/>
           </a:p>
@@ -2001,7 +2003,7 @@
           <a:p>
             <a:fld id="{C10BE67A-F089-334D-87AB-102B20234B04}" type="datetimeFigureOut">
               <a:rPr lang="en-US" smtClean="0"/>
-              <a:t>12/12/24</a:t>
+              <a:t>1/13/25</a:t>
             </a:fld>
             <a:endParaRPr lang="en-US"/>
           </a:p>
@@ -2114,7 +2116,7 @@
           <a:p>
             <a:fld id="{C10BE67A-F089-334D-87AB-102B20234B04}" type="datetimeFigureOut">
               <a:rPr lang="en-US" smtClean="0"/>
-              <a:t>12/12/24</a:t>
+              <a:t>1/13/25</a:t>
             </a:fld>
             <a:endParaRPr lang="en-US"/>
           </a:p>
@@ -2425,7 +2427,7 @@
           <a:p>
             <a:fld id="{C10BE67A-F089-334D-87AB-102B20234B04}" type="datetimeFigureOut">
               <a:rPr lang="en-US" smtClean="0"/>
-              <a:t>12/12/24</a:t>
+              <a:t>1/13/25</a:t>
             </a:fld>
             <a:endParaRPr lang="en-US"/>
           </a:p>
@@ -2713,7 +2715,7 @@
           <a:p>
             <a:fld id="{C10BE67A-F089-334D-87AB-102B20234B04}" type="datetimeFigureOut">
               <a:rPr lang="en-US" smtClean="0"/>
-              <a:t>12/12/24</a:t>
+              <a:t>1/13/25</a:t>
             </a:fld>
             <a:endParaRPr lang="en-US"/>
           </a:p>
@@ -2954,7 +2956,7 @@
           <a:p>
             <a:fld id="{C10BE67A-F089-334D-87AB-102B20234B04}" type="datetimeFigureOut">
               <a:rPr lang="en-US" smtClean="0"/>
-              <a:t>12/12/24</a:t>
+              <a:t>1/13/25</a:t>
             </a:fld>
             <a:endParaRPr lang="en-US"/>
           </a:p>
@@ -3742,7 +3744,7 @@
               <a:rPr lang="en-US" b="0" i="0" dirty="0">
                 <a:effectLst/>
               </a:rPr>
-              <a:t>Who are you?</a:t>
+              <a:t>Who are you? (Give me a few things)</a:t>
             </a:r>
           </a:p>
           <a:p>
@@ -4066,9 +4068,18 @@
               <a:rPr lang="en-US" dirty="0"/>
               <a:t>What did you learn?</a:t>
             </a:r>
-            <a:endParaRPr lang="en-US" i="0" dirty="0">
-              <a:effectLst/>
-            </a:endParaRPr>
+          </a:p>
+          <a:p>
+            <a:pPr algn="l">
+              <a:buFont typeface="Arial" panose="020B0604020202020204" pitchFamily="34" charset="0"/>
+              <a:buChar char="•"/>
+            </a:pPr>
+            <a:r>
+              <a:rPr lang="en-US" i="0" dirty="0">
+                <a:effectLst/>
+              </a:rPr>
+              <a:t>How did it feel to represent yourselves in this way?</a:t>
+            </a:r>
           </a:p>
           <a:p>
             <a:pPr marL="0" indent="0">
@@ -4318,7 +4329,7 @@
             <a:pPr lvl="1"/>
             <a:r>
               <a:rPr lang="en-US" dirty="0"/>
-              <a:t>Weekly pre-work due in class (readings mostly)</a:t>
+              <a:t>Weekly pre-work due in class (readings, podcasts, tutorials)</a:t>
             </a:r>
           </a:p>
           <a:p>
@@ -4364,6 +4375,176 @@
 </file>
 
 <file path=ppt/slides/slide7.xml><?xml version="1.0" encoding="utf-8"?>
+<p:sld xmlns:a="http://schemas.openxmlformats.org/drawingml/2006/main" xmlns:r="http://schemas.openxmlformats.org/officeDocument/2006/relationships" xmlns:p="http://schemas.openxmlformats.org/presentationml/2006/main">
+  <p:cSld>
+    <p:spTree>
+      <p:nvGrpSpPr>
+        <p:cNvPr id="1" name=""/>
+        <p:cNvGrpSpPr/>
+        <p:nvPr/>
+      </p:nvGrpSpPr>
+      <p:grpSpPr>
+        <a:xfrm>
+          <a:off x="0" y="0"/>
+          <a:ext cx="0" cy="0"/>
+          <a:chOff x="0" y="0"/>
+          <a:chExt cx="0" cy="0"/>
+        </a:xfrm>
+      </p:grpSpPr>
+      <p:sp>
+        <p:nvSpPr>
+          <p:cNvPr id="2" name="Title 1">
+            <a:extLst>
+              <a:ext uri="{FF2B5EF4-FFF2-40B4-BE49-F238E27FC236}">
+                <a16:creationId xmlns:a16="http://schemas.microsoft.com/office/drawing/2014/main" id="{C0B6AF3C-C124-856E-67E0-EFC06F34B013}"/>
+              </a:ext>
+            </a:extLst>
+          </p:cNvPr>
+          <p:cNvSpPr>
+            <a:spLocks noGrp="1"/>
+          </p:cNvSpPr>
+          <p:nvPr>
+            <p:ph type="title"/>
+          </p:nvPr>
+        </p:nvSpPr>
+        <p:spPr/>
+        <p:txBody>
+          <a:bodyPr/>
+          <a:lstStyle/>
+          <a:p>
+            <a:r>
+              <a:rPr lang="en-US" dirty="0"/>
+              <a:t>Pull up the site</a:t>
+            </a:r>
+          </a:p>
+        </p:txBody>
+      </p:sp>
+      <p:sp>
+        <p:nvSpPr>
+          <p:cNvPr id="3" name="Content Placeholder 2">
+            <a:extLst>
+              <a:ext uri="{FF2B5EF4-FFF2-40B4-BE49-F238E27FC236}">
+                <a16:creationId xmlns:a16="http://schemas.microsoft.com/office/drawing/2014/main" id="{34B04157-D663-B30D-CD83-46D4E9928EC8}"/>
+              </a:ext>
+            </a:extLst>
+          </p:cNvPr>
+          <p:cNvSpPr>
+            <a:spLocks noGrp="1"/>
+          </p:cNvSpPr>
+          <p:nvPr>
+            <p:ph idx="1"/>
+          </p:nvPr>
+        </p:nvSpPr>
+        <p:spPr/>
+        <p:txBody>
+          <a:bodyPr/>
+          <a:lstStyle/>
+          <a:p>
+            <a:r>
+              <a:rPr lang="en-US" dirty="0">
+                <a:hlinkClick r:id="rId2"/>
+              </a:rPr>
+              <a:t>https://bit.ly/data-for-us</a:t>
+            </a:r>
+            <a:endParaRPr lang="en-US" dirty="0"/>
+          </a:p>
+          <a:p>
+            <a:r>
+              <a:rPr lang="en-US"/>
+              <a:t>Note </a:t>
+            </a:r>
+            <a:r>
+              <a:rPr lang="en-US" dirty="0"/>
+              <a:t>p</a:t>
+            </a:r>
+            <a:r>
+              <a:rPr lang="en-US"/>
+              <a:t>re-work and homework</a:t>
+            </a:r>
+            <a:endParaRPr lang="en-US" dirty="0"/>
+          </a:p>
+        </p:txBody>
+      </p:sp>
+    </p:spTree>
+    <p:extLst>
+      <p:ext uri="{BB962C8B-B14F-4D97-AF65-F5344CB8AC3E}">
+        <p14:creationId xmlns:p14="http://schemas.microsoft.com/office/powerpoint/2010/main" val="1318209269"/>
+      </p:ext>
+    </p:extLst>
+  </p:cSld>
+  <p:clrMapOvr>
+    <a:masterClrMapping/>
+  </p:clrMapOvr>
+</p:sld>
+</file>
+
+<file path=ppt/slides/slide8.xml><?xml version="1.0" encoding="utf-8"?>
+<p:sld xmlns:a="http://schemas.openxmlformats.org/drawingml/2006/main" xmlns:r="http://schemas.openxmlformats.org/officeDocument/2006/relationships" xmlns:p="http://schemas.openxmlformats.org/presentationml/2006/main">
+  <p:cSld>
+    <p:spTree>
+      <p:nvGrpSpPr>
+        <p:cNvPr id="1" name="">
+          <a:extLst>
+            <a:ext uri="{FF2B5EF4-FFF2-40B4-BE49-F238E27FC236}">
+              <a16:creationId xmlns:a16="http://schemas.microsoft.com/office/drawing/2014/main" id="{7A7192AC-2E10-340C-3834-6E7D30089138}"/>
+            </a:ext>
+          </a:extLst>
+        </p:cNvPr>
+        <p:cNvGrpSpPr/>
+        <p:nvPr/>
+      </p:nvGrpSpPr>
+      <p:grpSpPr>
+        <a:xfrm>
+          <a:off x="0" y="0"/>
+          <a:ext cx="0" cy="0"/>
+          <a:chOff x="0" y="0"/>
+          <a:chExt cx="0" cy="0"/>
+        </a:xfrm>
+      </p:grpSpPr>
+      <p:pic>
+        <p:nvPicPr>
+          <p:cNvPr id="5" name="Picture 4" descr="A screenshot of a computer&#10;&#10;Description automatically generated">
+            <a:extLst>
+              <a:ext uri="{FF2B5EF4-FFF2-40B4-BE49-F238E27FC236}">
+                <a16:creationId xmlns:a16="http://schemas.microsoft.com/office/drawing/2014/main" id="{7D31C4F2-2672-9DC4-F8AA-7F7BDBCB35F7}"/>
+              </a:ext>
+            </a:extLst>
+          </p:cNvPr>
+          <p:cNvPicPr>
+            <a:picLocks noChangeAspect="1"/>
+          </p:cNvPicPr>
+          <p:nvPr/>
+        </p:nvPicPr>
+        <p:blipFill>
+          <a:blip r:embed="rId2"/>
+          <a:stretch>
+            <a:fillRect/>
+          </a:stretch>
+        </p:blipFill>
+        <p:spPr>
+          <a:xfrm>
+            <a:off x="0" y="0"/>
+            <a:ext cx="12192000" cy="7620000"/>
+          </a:xfrm>
+          <a:prstGeom prst="rect">
+            <a:avLst/>
+          </a:prstGeom>
+        </p:spPr>
+      </p:pic>
+    </p:spTree>
+    <p:extLst>
+      <p:ext uri="{BB962C8B-B14F-4D97-AF65-F5344CB8AC3E}">
+        <p14:creationId xmlns:p14="http://schemas.microsoft.com/office/powerpoint/2010/main" val="2274234249"/>
+      </p:ext>
+    </p:extLst>
+  </p:cSld>
+  <p:clrMapOvr>
+    <a:masterClrMapping/>
+  </p:clrMapOvr>
+</p:sld>
+</file>
+
+<file path=ppt/slides/slide9.xml><?xml version="1.0" encoding="utf-8"?>
 <p:sld xmlns:a="http://schemas.openxmlformats.org/drawingml/2006/main" xmlns:r="http://schemas.openxmlformats.org/officeDocument/2006/relationships" xmlns:p="http://schemas.openxmlformats.org/presentationml/2006/main">
   <p:cSld>
     <p:spTree>
@@ -4436,6 +4617,28 @@
             <a:normAutofit/>
           </a:bodyPr>
           <a:lstStyle/>
+          <a:p>
+            <a:r>
+              <a:rPr lang="en-US" dirty="0"/>
+              <a:t>Homework for Friday:</a:t>
+            </a:r>
+          </a:p>
+          <a:p>
+            <a:pPr lvl="1"/>
+            <a:r>
+              <a:rPr lang="en-US" dirty="0"/>
+              <a:t>By Friday morning at 9:00 AM, share your class dataset with me along with a 50-100 word reflection on the activity. What was the most challenging piece? What did you learn?</a:t>
+            </a:r>
+          </a:p>
+          <a:p>
+            <a:r>
+              <a:rPr lang="en-US" dirty="0"/>
+              <a:t>Homework for next week.</a:t>
+            </a:r>
+          </a:p>
+          <a:p>
+            <a:endParaRPr lang="en-US" dirty="0"/>
+          </a:p>
           <a:p>
             <a:endParaRPr lang="en-US" dirty="0"/>
           </a:p>

--- a/resources/week-1/intro.pptx
+++ b/resources/week-1/intro.pptx
@@ -267,7 +267,7 @@
           <a:p>
             <a:fld id="{C10BE67A-F089-334D-87AB-102B20234B04}" type="datetimeFigureOut">
               <a:rPr lang="en-US" smtClean="0"/>
-              <a:t>1/13/25</a:t>
+              <a:t>1/14/25</a:t>
             </a:fld>
             <a:endParaRPr lang="en-US"/>
           </a:p>
@@ -465,7 +465,7 @@
           <a:p>
             <a:fld id="{C10BE67A-F089-334D-87AB-102B20234B04}" type="datetimeFigureOut">
               <a:rPr lang="en-US" smtClean="0"/>
-              <a:t>1/13/25</a:t>
+              <a:t>1/14/25</a:t>
             </a:fld>
             <a:endParaRPr lang="en-US"/>
           </a:p>
@@ -673,7 +673,7 @@
           <a:p>
             <a:fld id="{C10BE67A-F089-334D-87AB-102B20234B04}" type="datetimeFigureOut">
               <a:rPr lang="en-US" smtClean="0"/>
-              <a:t>1/13/25</a:t>
+              <a:t>1/14/25</a:t>
             </a:fld>
             <a:endParaRPr lang="en-US"/>
           </a:p>
@@ -910,7 +910,7 @@
           <a:p>
             <a:fld id="{C10BE67A-F089-334D-87AB-102B20234B04}" type="datetimeFigureOut">
               <a:rPr lang="en-US" smtClean="0"/>
-              <a:t>1/13/25</a:t>
+              <a:t>1/14/25</a:t>
             </a:fld>
             <a:endParaRPr lang="en-US"/>
           </a:p>
@@ -1185,7 +1185,7 @@
           <a:p>
             <a:fld id="{C10BE67A-F089-334D-87AB-102B20234B04}" type="datetimeFigureOut">
               <a:rPr lang="en-US" smtClean="0"/>
-              <a:t>1/13/25</a:t>
+              <a:t>1/14/25</a:t>
             </a:fld>
             <a:endParaRPr lang="en-US"/>
           </a:p>
@@ -1450,7 +1450,7 @@
           <a:p>
             <a:fld id="{C10BE67A-F089-334D-87AB-102B20234B04}" type="datetimeFigureOut">
               <a:rPr lang="en-US" smtClean="0"/>
-              <a:t>1/13/25</a:t>
+              <a:t>1/14/25</a:t>
             </a:fld>
             <a:endParaRPr lang="en-US"/>
           </a:p>
@@ -1862,7 +1862,7 @@
           <a:p>
             <a:fld id="{C10BE67A-F089-334D-87AB-102B20234B04}" type="datetimeFigureOut">
               <a:rPr lang="en-US" smtClean="0"/>
-              <a:t>1/13/25</a:t>
+              <a:t>1/14/25</a:t>
             </a:fld>
             <a:endParaRPr lang="en-US"/>
           </a:p>
@@ -2003,7 +2003,7 @@
           <a:p>
             <a:fld id="{C10BE67A-F089-334D-87AB-102B20234B04}" type="datetimeFigureOut">
               <a:rPr lang="en-US" smtClean="0"/>
-              <a:t>1/13/25</a:t>
+              <a:t>1/14/25</a:t>
             </a:fld>
             <a:endParaRPr lang="en-US"/>
           </a:p>
@@ -2116,7 +2116,7 @@
           <a:p>
             <a:fld id="{C10BE67A-F089-334D-87AB-102B20234B04}" type="datetimeFigureOut">
               <a:rPr lang="en-US" smtClean="0"/>
-              <a:t>1/13/25</a:t>
+              <a:t>1/14/25</a:t>
             </a:fld>
             <a:endParaRPr lang="en-US"/>
           </a:p>
@@ -2427,7 +2427,7 @@
           <a:p>
             <a:fld id="{C10BE67A-F089-334D-87AB-102B20234B04}" type="datetimeFigureOut">
               <a:rPr lang="en-US" smtClean="0"/>
-              <a:t>1/13/25</a:t>
+              <a:t>1/14/25</a:t>
             </a:fld>
             <a:endParaRPr lang="en-US"/>
           </a:p>
@@ -2715,7 +2715,7 @@
           <a:p>
             <a:fld id="{C10BE67A-F089-334D-87AB-102B20234B04}" type="datetimeFigureOut">
               <a:rPr lang="en-US" smtClean="0"/>
-              <a:t>1/13/25</a:t>
+              <a:t>1/14/25</a:t>
             </a:fld>
             <a:endParaRPr lang="en-US"/>
           </a:p>
@@ -2956,7 +2956,7 @@
           <a:p>
             <a:fld id="{C10BE67A-F089-334D-87AB-102B20234B04}" type="datetimeFigureOut">
               <a:rPr lang="en-US" smtClean="0"/>
-              <a:t>1/13/25</a:t>
+              <a:t>1/14/25</a:t>
             </a:fld>
             <a:endParaRPr lang="en-US"/>
           </a:p>
@@ -3641,7 +3641,7 @@
           </a:ln>
           <a:extLst>
             <a:ext uri="{C572A759-6A51-4108-AA02-DFA0A04FC94B}">
-              <ma14:wrappingTextBoxFlag xmlns:ma14="http://schemas.microsoft.com/office/mac/drawingml/2011/main" xmlns="" val="1"/>
+              <ma14:wrappingTextBoxFlag xmlns="" xmlns:ma14="http://schemas.microsoft.com/office/mac/drawingml/2011/main" val="1"/>
             </a:ext>
           </a:extLst>
         </p:spPr>
@@ -3946,7 +3946,7 @@
           </a:ln>
           <a:extLst>
             <a:ext uri="{C572A759-6A51-4108-AA02-DFA0A04FC94B}">
-              <ma14:wrappingTextBoxFlag xmlns:ma14="http://schemas.microsoft.com/office/mac/drawingml/2011/main" xmlns="" val="1"/>
+              <ma14:wrappingTextBoxFlag xmlns="" xmlns:ma14="http://schemas.microsoft.com/office/mac/drawingml/2011/main" val="1"/>
             </a:ext>
           </a:extLst>
         </p:spPr>
@@ -4349,7 +4349,7 @@
             <a:pPr lvl="1"/>
             <a:r>
               <a:rPr lang="en-US" dirty="0"/>
-              <a:t>Attendance</a:t>
+              <a:t>Attendance	</a:t>
             </a:r>
           </a:p>
           <a:p>

--- a/resources/week-1/intro.pptx
+++ b/resources/week-1/intro.pptx
@@ -267,7 +267,7 @@
           <a:p>
             <a:fld id="{C10BE67A-F089-334D-87AB-102B20234B04}" type="datetimeFigureOut">
               <a:rPr lang="en-US" smtClean="0"/>
-              <a:t>1/14/25</a:t>
+              <a:t>7/30/25</a:t>
             </a:fld>
             <a:endParaRPr lang="en-US"/>
           </a:p>
@@ -465,7 +465,7 @@
           <a:p>
             <a:fld id="{C10BE67A-F089-334D-87AB-102B20234B04}" type="datetimeFigureOut">
               <a:rPr lang="en-US" smtClean="0"/>
-              <a:t>1/14/25</a:t>
+              <a:t>7/30/25</a:t>
             </a:fld>
             <a:endParaRPr lang="en-US"/>
           </a:p>
@@ -673,7 +673,7 @@
           <a:p>
             <a:fld id="{C10BE67A-F089-334D-87AB-102B20234B04}" type="datetimeFigureOut">
               <a:rPr lang="en-US" smtClean="0"/>
-              <a:t>1/14/25</a:t>
+              <a:t>7/30/25</a:t>
             </a:fld>
             <a:endParaRPr lang="en-US"/>
           </a:p>
@@ -910,7 +910,7 @@
           <a:p>
             <a:fld id="{C10BE67A-F089-334D-87AB-102B20234B04}" type="datetimeFigureOut">
               <a:rPr lang="en-US" smtClean="0"/>
-              <a:t>1/14/25</a:t>
+              <a:t>7/30/25</a:t>
             </a:fld>
             <a:endParaRPr lang="en-US"/>
           </a:p>
@@ -1185,7 +1185,7 @@
           <a:p>
             <a:fld id="{C10BE67A-F089-334D-87AB-102B20234B04}" type="datetimeFigureOut">
               <a:rPr lang="en-US" smtClean="0"/>
-              <a:t>1/14/25</a:t>
+              <a:t>7/30/25</a:t>
             </a:fld>
             <a:endParaRPr lang="en-US"/>
           </a:p>
@@ -1450,7 +1450,7 @@
           <a:p>
             <a:fld id="{C10BE67A-F089-334D-87AB-102B20234B04}" type="datetimeFigureOut">
               <a:rPr lang="en-US" smtClean="0"/>
-              <a:t>1/14/25</a:t>
+              <a:t>7/30/25</a:t>
             </a:fld>
             <a:endParaRPr lang="en-US"/>
           </a:p>
@@ -1862,7 +1862,7 @@
           <a:p>
             <a:fld id="{C10BE67A-F089-334D-87AB-102B20234B04}" type="datetimeFigureOut">
               <a:rPr lang="en-US" smtClean="0"/>
-              <a:t>1/14/25</a:t>
+              <a:t>7/30/25</a:t>
             </a:fld>
             <a:endParaRPr lang="en-US"/>
           </a:p>
@@ -2003,7 +2003,7 @@
           <a:p>
             <a:fld id="{C10BE67A-F089-334D-87AB-102B20234B04}" type="datetimeFigureOut">
               <a:rPr lang="en-US" smtClean="0"/>
-              <a:t>1/14/25</a:t>
+              <a:t>7/30/25</a:t>
             </a:fld>
             <a:endParaRPr lang="en-US"/>
           </a:p>
@@ -2116,7 +2116,7 @@
           <a:p>
             <a:fld id="{C10BE67A-F089-334D-87AB-102B20234B04}" type="datetimeFigureOut">
               <a:rPr lang="en-US" smtClean="0"/>
-              <a:t>1/14/25</a:t>
+              <a:t>7/30/25</a:t>
             </a:fld>
             <a:endParaRPr lang="en-US"/>
           </a:p>
@@ -2427,7 +2427,7 @@
           <a:p>
             <a:fld id="{C10BE67A-F089-334D-87AB-102B20234B04}" type="datetimeFigureOut">
               <a:rPr lang="en-US" smtClean="0"/>
-              <a:t>1/14/25</a:t>
+              <a:t>7/30/25</a:t>
             </a:fld>
             <a:endParaRPr lang="en-US"/>
           </a:p>
@@ -2715,7 +2715,7 @@
           <a:p>
             <a:fld id="{C10BE67A-F089-334D-87AB-102B20234B04}" type="datetimeFigureOut">
               <a:rPr lang="en-US" smtClean="0"/>
-              <a:t>1/14/25</a:t>
+              <a:t>7/30/25</a:t>
             </a:fld>
             <a:endParaRPr lang="en-US"/>
           </a:p>
@@ -2956,7 +2956,7 @@
           <a:p>
             <a:fld id="{C10BE67A-F089-334D-87AB-102B20234B04}" type="datetimeFigureOut">
               <a:rPr lang="en-US" smtClean="0"/>
-              <a:t>1/14/25</a:t>
+              <a:t>7/30/25</a:t>
             </a:fld>
             <a:endParaRPr lang="en-US"/>
           </a:p>
@@ -3641,7 +3641,7 @@
           </a:ln>
           <a:extLst>
             <a:ext uri="{C572A759-6A51-4108-AA02-DFA0A04FC94B}">
-              <ma14:wrappingTextBoxFlag xmlns="" xmlns:ma14="http://schemas.microsoft.com/office/mac/drawingml/2011/main" val="1"/>
+              <ma14:wrappingTextBoxFlag xmlns:ma14="http://schemas.microsoft.com/office/mac/drawingml/2011/main" xmlns="" val="1"/>
             </a:ext>
           </a:extLst>
         </p:spPr>
@@ -3946,7 +3946,7 @@
           </a:ln>
           <a:extLst>
             <a:ext uri="{C572A759-6A51-4108-AA02-DFA0A04FC94B}">
-              <ma14:wrappingTextBoxFlag xmlns="" xmlns:ma14="http://schemas.microsoft.com/office/mac/drawingml/2011/main" val="1"/>
+              <ma14:wrappingTextBoxFlag xmlns:ma14="http://schemas.microsoft.com/office/mac/drawingml/2011/main" xmlns="" val="1"/>
             </a:ext>
           </a:extLst>
         </p:spPr>
@@ -4627,7 +4627,15 @@
             <a:pPr lvl="1"/>
             <a:r>
               <a:rPr lang="en-US" dirty="0"/>
-              <a:t>By Friday morning at 9:00 AM, share your class dataset with me along with a 50-100 word reflection on the activity. What was the most challenging piece? What did you learn?</a:t>
+              <a:t>By Friday morning at 9:00 AM, share your class dataset with me along with </a:t>
+            </a:r>
+            <a:r>
+              <a:rPr lang="en-US"/>
+              <a:t>a 200 </a:t>
+            </a:r>
+            <a:r>
+              <a:rPr lang="en-US" dirty="0"/>
+              <a:t>word reflection on the activity. What was the most challenging piece? What did you learn?</a:t>
             </a:r>
           </a:p>
           <a:p>

--- a/resources/week-1/intro.pptx
+++ b/resources/week-1/intro.pptx
@@ -267,7 +267,7 @@
           <a:p>
             <a:fld id="{C10BE67A-F089-334D-87AB-102B20234B04}" type="datetimeFigureOut">
               <a:rPr lang="en-US" smtClean="0"/>
-              <a:t>7/30/25</a:t>
+              <a:t>8/19/25</a:t>
             </a:fld>
             <a:endParaRPr lang="en-US"/>
           </a:p>
@@ -465,7 +465,7 @@
           <a:p>
             <a:fld id="{C10BE67A-F089-334D-87AB-102B20234B04}" type="datetimeFigureOut">
               <a:rPr lang="en-US" smtClean="0"/>
-              <a:t>7/30/25</a:t>
+              <a:t>8/19/25</a:t>
             </a:fld>
             <a:endParaRPr lang="en-US"/>
           </a:p>
@@ -673,7 +673,7 @@
           <a:p>
             <a:fld id="{C10BE67A-F089-334D-87AB-102B20234B04}" type="datetimeFigureOut">
               <a:rPr lang="en-US" smtClean="0"/>
-              <a:t>7/30/25</a:t>
+              <a:t>8/19/25</a:t>
             </a:fld>
             <a:endParaRPr lang="en-US"/>
           </a:p>
@@ -910,7 +910,7 @@
           <a:p>
             <a:fld id="{C10BE67A-F089-334D-87AB-102B20234B04}" type="datetimeFigureOut">
               <a:rPr lang="en-US" smtClean="0"/>
-              <a:t>7/30/25</a:t>
+              <a:t>8/19/25</a:t>
             </a:fld>
             <a:endParaRPr lang="en-US"/>
           </a:p>
@@ -1185,7 +1185,7 @@
           <a:p>
             <a:fld id="{C10BE67A-F089-334D-87AB-102B20234B04}" type="datetimeFigureOut">
               <a:rPr lang="en-US" smtClean="0"/>
-              <a:t>7/30/25</a:t>
+              <a:t>8/19/25</a:t>
             </a:fld>
             <a:endParaRPr lang="en-US"/>
           </a:p>
@@ -1450,7 +1450,7 @@
           <a:p>
             <a:fld id="{C10BE67A-F089-334D-87AB-102B20234B04}" type="datetimeFigureOut">
               <a:rPr lang="en-US" smtClean="0"/>
-              <a:t>7/30/25</a:t>
+              <a:t>8/19/25</a:t>
             </a:fld>
             <a:endParaRPr lang="en-US"/>
           </a:p>
@@ -1862,7 +1862,7 @@
           <a:p>
             <a:fld id="{C10BE67A-F089-334D-87AB-102B20234B04}" type="datetimeFigureOut">
               <a:rPr lang="en-US" smtClean="0"/>
-              <a:t>7/30/25</a:t>
+              <a:t>8/19/25</a:t>
             </a:fld>
             <a:endParaRPr lang="en-US"/>
           </a:p>
@@ -2003,7 +2003,7 @@
           <a:p>
             <a:fld id="{C10BE67A-F089-334D-87AB-102B20234B04}" type="datetimeFigureOut">
               <a:rPr lang="en-US" smtClean="0"/>
-              <a:t>7/30/25</a:t>
+              <a:t>8/19/25</a:t>
             </a:fld>
             <a:endParaRPr lang="en-US"/>
           </a:p>
@@ -2116,7 +2116,7 @@
           <a:p>
             <a:fld id="{C10BE67A-F089-334D-87AB-102B20234B04}" type="datetimeFigureOut">
               <a:rPr lang="en-US" smtClean="0"/>
-              <a:t>7/30/25</a:t>
+              <a:t>8/19/25</a:t>
             </a:fld>
             <a:endParaRPr lang="en-US"/>
           </a:p>
@@ -2427,7 +2427,7 @@
           <a:p>
             <a:fld id="{C10BE67A-F089-334D-87AB-102B20234B04}" type="datetimeFigureOut">
               <a:rPr lang="en-US" smtClean="0"/>
-              <a:t>7/30/25</a:t>
+              <a:t>8/19/25</a:t>
             </a:fld>
             <a:endParaRPr lang="en-US"/>
           </a:p>
@@ -2715,7 +2715,7 @@
           <a:p>
             <a:fld id="{C10BE67A-F089-334D-87AB-102B20234B04}" type="datetimeFigureOut">
               <a:rPr lang="en-US" smtClean="0"/>
-              <a:t>7/30/25</a:t>
+              <a:t>8/19/25</a:t>
             </a:fld>
             <a:endParaRPr lang="en-US"/>
           </a:p>
@@ -2956,7 +2956,7 @@
           <a:p>
             <a:fld id="{C10BE67A-F089-334D-87AB-102B20234B04}" type="datetimeFigureOut">
               <a:rPr lang="en-US" smtClean="0"/>
-              <a:t>7/30/25</a:t>
+              <a:t>8/19/25</a:t>
             </a:fld>
             <a:endParaRPr lang="en-US"/>
           </a:p>
@@ -3641,7 +3641,7 @@
           </a:ln>
           <a:extLst>
             <a:ext uri="{C572A759-6A51-4108-AA02-DFA0A04FC94B}">
-              <ma14:wrappingTextBoxFlag xmlns:ma14="http://schemas.microsoft.com/office/mac/drawingml/2011/main" xmlns="" val="1"/>
+              <ma14:wrappingTextBoxFlag xmlns="" xmlns:ma14="http://schemas.microsoft.com/office/mac/drawingml/2011/main" val="1"/>
             </a:ext>
           </a:extLst>
         </p:spPr>
@@ -3946,7 +3946,7 @@
           </a:ln>
           <a:extLst>
             <a:ext uri="{C572A759-6A51-4108-AA02-DFA0A04FC94B}">
-              <ma14:wrappingTextBoxFlag xmlns:ma14="http://schemas.microsoft.com/office/mac/drawingml/2011/main" xmlns="" val="1"/>
+              <ma14:wrappingTextBoxFlag xmlns="" xmlns:ma14="http://schemas.microsoft.com/office/mac/drawingml/2011/main" val="1"/>
             </a:ext>
           </a:extLst>
         </p:spPr>
@@ -4481,6 +4481,14 @@
 <file path=ppt/slides/slide8.xml><?xml version="1.0" encoding="utf-8"?>
 <p:sld xmlns:a="http://schemas.openxmlformats.org/drawingml/2006/main" xmlns:r="http://schemas.openxmlformats.org/officeDocument/2006/relationships" xmlns:p="http://schemas.openxmlformats.org/presentationml/2006/main">
   <p:cSld>
+    <p:bg>
+      <p:bgPr>
+        <a:solidFill>
+          <a:schemeClr val="bg1"/>
+        </a:solidFill>
+        <a:effectLst/>
+      </p:bgPr>
+    </p:bg>
     <p:spTree>
       <p:nvGrpSpPr>
         <p:cNvPr id="1" name="">
@@ -4501,12 +4509,167 @@
           <a:chExt cx="0" cy="0"/>
         </a:xfrm>
       </p:grpSpPr>
+      <p:sp>
+        <p:nvSpPr>
+          <p:cNvPr id="8" name="Rectangle 7">
+            <a:extLst>
+              <a:ext uri="{FF2B5EF4-FFF2-40B4-BE49-F238E27FC236}">
+                <a16:creationId xmlns:a16="http://schemas.microsoft.com/office/drawing/2014/main" id="{42A4FC2C-047E-45A5-965D-8E1E3BF09BC6}"/>
+              </a:ext>
+              <a:ext uri="{C183D7F6-B498-43B3-948B-1728B52AA6E4}">
+                <adec:decorative xmlns:adec="http://schemas.microsoft.com/office/drawing/2017/decorative" val="1"/>
+              </a:ext>
+            </a:extLst>
+          </p:cNvPr>
+          <p:cNvSpPr>
+            <a:spLocks noGrp="1" noRot="1" noChangeAspect="1" noMove="1" noResize="1" noEditPoints="1" noAdjustHandles="1" noChangeArrowheads="1" noChangeShapeType="1" noTextEdit="1"/>
+          </p:cNvSpPr>
+          <p:nvPr>
+            <p:extLst>
+              <p:ext uri="{386F3935-93C4-4BCD-93E2-E3B085C9AB24}">
+                <p16:designElem xmlns:p16="http://schemas.microsoft.com/office/powerpoint/2015/main" val="1"/>
+              </p:ext>
+            </p:extLst>
+          </p:nvPr>
+        </p:nvSpPr>
+        <p:spPr bwMode="white">
+          <a:xfrm>
+            <a:off x="1524" y="0"/>
+            <a:ext cx="12188952" cy="6858000"/>
+          </a:xfrm>
+          <a:prstGeom prst="rect">
+            <a:avLst/>
+          </a:prstGeom>
+          <a:noFill/>
+          <a:ln>
+            <a:noFill/>
+          </a:ln>
+        </p:spPr>
+        <p:style>
+          <a:lnRef idx="2">
+            <a:schemeClr val="accent1">
+              <a:shade val="50000"/>
+            </a:schemeClr>
+          </a:lnRef>
+          <a:fillRef idx="1">
+            <a:schemeClr val="accent1"/>
+          </a:fillRef>
+          <a:effectRef idx="0">
+            <a:schemeClr val="accent1"/>
+          </a:effectRef>
+          <a:fontRef idx="minor">
+            <a:schemeClr val="lt1"/>
+          </a:fontRef>
+        </p:style>
+        <p:txBody>
+          <a:bodyPr rtlCol="0" anchor="ctr"/>
+          <a:lstStyle>
+            <a:defPPr>
+              <a:defRPr lang="en-US"/>
+            </a:defPPr>
+            <a:lvl1pPr marL="0" algn="l" defTabSz="914400" rtl="0" eaLnBrk="1" latinLnBrk="0" hangingPunct="1">
+              <a:defRPr sz="1800" kern="1200">
+                <a:solidFill>
+                  <a:schemeClr val="lt1"/>
+                </a:solidFill>
+                <a:latin typeface="+mn-lt"/>
+                <a:ea typeface="+mn-ea"/>
+                <a:cs typeface="+mn-cs"/>
+              </a:defRPr>
+            </a:lvl1pPr>
+            <a:lvl2pPr marL="457200" algn="l" defTabSz="914400" rtl="0" eaLnBrk="1" latinLnBrk="0" hangingPunct="1">
+              <a:defRPr sz="1800" kern="1200">
+                <a:solidFill>
+                  <a:schemeClr val="lt1"/>
+                </a:solidFill>
+                <a:latin typeface="+mn-lt"/>
+                <a:ea typeface="+mn-ea"/>
+                <a:cs typeface="+mn-cs"/>
+              </a:defRPr>
+            </a:lvl2pPr>
+            <a:lvl3pPr marL="914400" algn="l" defTabSz="914400" rtl="0" eaLnBrk="1" latinLnBrk="0" hangingPunct="1">
+              <a:defRPr sz="1800" kern="1200">
+                <a:solidFill>
+                  <a:schemeClr val="lt1"/>
+                </a:solidFill>
+                <a:latin typeface="+mn-lt"/>
+                <a:ea typeface="+mn-ea"/>
+                <a:cs typeface="+mn-cs"/>
+              </a:defRPr>
+            </a:lvl3pPr>
+            <a:lvl4pPr marL="1371600" algn="l" defTabSz="914400" rtl="0" eaLnBrk="1" latinLnBrk="0" hangingPunct="1">
+              <a:defRPr sz="1800" kern="1200">
+                <a:solidFill>
+                  <a:schemeClr val="lt1"/>
+                </a:solidFill>
+                <a:latin typeface="+mn-lt"/>
+                <a:ea typeface="+mn-ea"/>
+                <a:cs typeface="+mn-cs"/>
+              </a:defRPr>
+            </a:lvl4pPr>
+            <a:lvl5pPr marL="1828800" algn="l" defTabSz="914400" rtl="0" eaLnBrk="1" latinLnBrk="0" hangingPunct="1">
+              <a:defRPr sz="1800" kern="1200">
+                <a:solidFill>
+                  <a:schemeClr val="lt1"/>
+                </a:solidFill>
+                <a:latin typeface="+mn-lt"/>
+                <a:ea typeface="+mn-ea"/>
+                <a:cs typeface="+mn-cs"/>
+              </a:defRPr>
+            </a:lvl5pPr>
+            <a:lvl6pPr marL="2286000" algn="l" defTabSz="914400" rtl="0" eaLnBrk="1" latinLnBrk="0" hangingPunct="1">
+              <a:defRPr sz="1800" kern="1200">
+                <a:solidFill>
+                  <a:schemeClr val="lt1"/>
+                </a:solidFill>
+                <a:latin typeface="+mn-lt"/>
+                <a:ea typeface="+mn-ea"/>
+                <a:cs typeface="+mn-cs"/>
+              </a:defRPr>
+            </a:lvl6pPr>
+            <a:lvl7pPr marL="2743200" algn="l" defTabSz="914400" rtl="0" eaLnBrk="1" latinLnBrk="0" hangingPunct="1">
+              <a:defRPr sz="1800" kern="1200">
+                <a:solidFill>
+                  <a:schemeClr val="lt1"/>
+                </a:solidFill>
+                <a:latin typeface="+mn-lt"/>
+                <a:ea typeface="+mn-ea"/>
+                <a:cs typeface="+mn-cs"/>
+              </a:defRPr>
+            </a:lvl7pPr>
+            <a:lvl8pPr marL="3200400" algn="l" defTabSz="914400" rtl="0" eaLnBrk="1" latinLnBrk="0" hangingPunct="1">
+              <a:defRPr sz="1800" kern="1200">
+                <a:solidFill>
+                  <a:schemeClr val="lt1"/>
+                </a:solidFill>
+                <a:latin typeface="+mn-lt"/>
+                <a:ea typeface="+mn-ea"/>
+                <a:cs typeface="+mn-cs"/>
+              </a:defRPr>
+            </a:lvl8pPr>
+            <a:lvl9pPr marL="3657600" algn="l" defTabSz="914400" rtl="0" eaLnBrk="1" latinLnBrk="0" hangingPunct="1">
+              <a:defRPr sz="1800" kern="1200">
+                <a:solidFill>
+                  <a:schemeClr val="lt1"/>
+                </a:solidFill>
+                <a:latin typeface="+mn-lt"/>
+                <a:ea typeface="+mn-ea"/>
+                <a:cs typeface="+mn-cs"/>
+              </a:defRPr>
+            </a:lvl9pPr>
+          </a:lstStyle>
+          <a:p>
+            <a:pPr algn="ctr"/>
+            <a:endParaRPr lang="en-US"/>
+          </a:p>
+        </p:txBody>
+      </p:sp>
       <p:pic>
         <p:nvPicPr>
-          <p:cNvPr id="5" name="Picture 4" descr="A screenshot of a computer&#10;&#10;Description automatically generated">
-            <a:extLst>
-              <a:ext uri="{FF2B5EF4-FFF2-40B4-BE49-F238E27FC236}">
-                <a16:creationId xmlns:a16="http://schemas.microsoft.com/office/drawing/2014/main" id="{7D31C4F2-2672-9DC4-F8AA-7F7BDBCB35F7}"/>
+          <p:cNvPr id="3" name="Picture 2" descr="A screenshot of a computer&#10;&#10;AI-generated content may be incorrect.">
+            <a:extLst>
+              <a:ext uri="{FF2B5EF4-FFF2-40B4-BE49-F238E27FC236}">
+                <a16:creationId xmlns:a16="http://schemas.microsoft.com/office/drawing/2014/main" id="{7AB3EB87-615A-824B-7833-57358AD1897E}"/>
               </a:ext>
             </a:extLst>
           </p:cNvPr>
@@ -4517,14 +4680,15 @@
         </p:nvPicPr>
         <p:blipFill>
           <a:blip r:embed="rId2"/>
+          <a:srcRect r="1760"/>
           <a:stretch>
             <a:fillRect/>
           </a:stretch>
         </p:blipFill>
         <p:spPr>
           <a:xfrm>
-            <a:off x="0" y="0"/>
-            <a:ext cx="12192000" cy="7620000"/>
+            <a:off x="20" y="1282"/>
+            <a:ext cx="12191980" cy="6856718"/>
           </a:xfrm>
           <a:prstGeom prst="rect">
             <a:avLst/>

--- a/resources/week-1/intro.pptx
+++ b/resources/week-1/intro.pptx
@@ -267,7 +267,7 @@
           <a:p>
             <a:fld id="{C10BE67A-F089-334D-87AB-102B20234B04}" type="datetimeFigureOut">
               <a:rPr lang="en-US" smtClean="0"/>
-              <a:t>8/19/25</a:t>
+              <a:t>8/25/25</a:t>
             </a:fld>
             <a:endParaRPr lang="en-US"/>
           </a:p>
@@ -465,7 +465,7 @@
           <a:p>
             <a:fld id="{C10BE67A-F089-334D-87AB-102B20234B04}" type="datetimeFigureOut">
               <a:rPr lang="en-US" smtClean="0"/>
-              <a:t>8/19/25</a:t>
+              <a:t>8/25/25</a:t>
             </a:fld>
             <a:endParaRPr lang="en-US"/>
           </a:p>
@@ -673,7 +673,7 @@
           <a:p>
             <a:fld id="{C10BE67A-F089-334D-87AB-102B20234B04}" type="datetimeFigureOut">
               <a:rPr lang="en-US" smtClean="0"/>
-              <a:t>8/19/25</a:t>
+              <a:t>8/25/25</a:t>
             </a:fld>
             <a:endParaRPr lang="en-US"/>
           </a:p>
@@ -910,7 +910,7 @@
           <a:p>
             <a:fld id="{C10BE67A-F089-334D-87AB-102B20234B04}" type="datetimeFigureOut">
               <a:rPr lang="en-US" smtClean="0"/>
-              <a:t>8/19/25</a:t>
+              <a:t>8/25/25</a:t>
             </a:fld>
             <a:endParaRPr lang="en-US"/>
           </a:p>
@@ -1185,7 +1185,7 @@
           <a:p>
             <a:fld id="{C10BE67A-F089-334D-87AB-102B20234B04}" type="datetimeFigureOut">
               <a:rPr lang="en-US" smtClean="0"/>
-              <a:t>8/19/25</a:t>
+              <a:t>8/25/25</a:t>
             </a:fld>
             <a:endParaRPr lang="en-US"/>
           </a:p>
@@ -1450,7 +1450,7 @@
           <a:p>
             <a:fld id="{C10BE67A-F089-334D-87AB-102B20234B04}" type="datetimeFigureOut">
               <a:rPr lang="en-US" smtClean="0"/>
-              <a:t>8/19/25</a:t>
+              <a:t>8/25/25</a:t>
             </a:fld>
             <a:endParaRPr lang="en-US"/>
           </a:p>
@@ -1862,7 +1862,7 @@
           <a:p>
             <a:fld id="{C10BE67A-F089-334D-87AB-102B20234B04}" type="datetimeFigureOut">
               <a:rPr lang="en-US" smtClean="0"/>
-              <a:t>8/19/25</a:t>
+              <a:t>8/25/25</a:t>
             </a:fld>
             <a:endParaRPr lang="en-US"/>
           </a:p>
@@ -2003,7 +2003,7 @@
           <a:p>
             <a:fld id="{C10BE67A-F089-334D-87AB-102B20234B04}" type="datetimeFigureOut">
               <a:rPr lang="en-US" smtClean="0"/>
-              <a:t>8/19/25</a:t>
+              <a:t>8/25/25</a:t>
             </a:fld>
             <a:endParaRPr lang="en-US"/>
           </a:p>
@@ -2116,7 +2116,7 @@
           <a:p>
             <a:fld id="{C10BE67A-F089-334D-87AB-102B20234B04}" type="datetimeFigureOut">
               <a:rPr lang="en-US" smtClean="0"/>
-              <a:t>8/19/25</a:t>
+              <a:t>8/25/25</a:t>
             </a:fld>
             <a:endParaRPr lang="en-US"/>
           </a:p>
@@ -2427,7 +2427,7 @@
           <a:p>
             <a:fld id="{C10BE67A-F089-334D-87AB-102B20234B04}" type="datetimeFigureOut">
               <a:rPr lang="en-US" smtClean="0"/>
-              <a:t>8/19/25</a:t>
+              <a:t>8/25/25</a:t>
             </a:fld>
             <a:endParaRPr lang="en-US"/>
           </a:p>
@@ -2715,7 +2715,7 @@
           <a:p>
             <a:fld id="{C10BE67A-F089-334D-87AB-102B20234B04}" type="datetimeFigureOut">
               <a:rPr lang="en-US" smtClean="0"/>
-              <a:t>8/19/25</a:t>
+              <a:t>8/25/25</a:t>
             </a:fld>
             <a:endParaRPr lang="en-US"/>
           </a:p>
@@ -2956,7 +2956,7 @@
           <a:p>
             <a:fld id="{C10BE67A-F089-334D-87AB-102B20234B04}" type="datetimeFigureOut">
               <a:rPr lang="en-US" smtClean="0"/>
-              <a:t>8/19/25</a:t>
+              <a:t>8/25/25</a:t>
             </a:fld>
             <a:endParaRPr lang="en-US"/>
           </a:p>
@@ -3641,7 +3641,7 @@
           </a:ln>
           <a:extLst>
             <a:ext uri="{C572A759-6A51-4108-AA02-DFA0A04FC94B}">
-              <ma14:wrappingTextBoxFlag xmlns="" xmlns:ma14="http://schemas.microsoft.com/office/mac/drawingml/2011/main" val="1"/>
+              <ma14:wrappingTextBoxFlag xmlns:ma14="http://schemas.microsoft.com/office/mac/drawingml/2011/main" xmlns="" val="1"/>
             </a:ext>
           </a:extLst>
         </p:spPr>
@@ -3946,7 +3946,7 @@
           </a:ln>
           <a:extLst>
             <a:ext uri="{C572A759-6A51-4108-AA02-DFA0A04FC94B}">
-              <ma14:wrappingTextBoxFlag xmlns="" xmlns:ma14="http://schemas.microsoft.com/office/mac/drawingml/2011/main" val="1"/>
+              <ma14:wrappingTextBoxFlag xmlns:ma14="http://schemas.microsoft.com/office/mac/drawingml/2011/main" xmlns="" val="1"/>
             </a:ext>
           </a:extLst>
         </p:spPr>

--- a/resources/week-1/intro.pptx
+++ b/resources/week-1/intro.pptx
@@ -267,7 +267,7 @@
           <a:p>
             <a:fld id="{C10BE67A-F089-334D-87AB-102B20234B04}" type="datetimeFigureOut">
               <a:rPr lang="en-US" smtClean="0"/>
-              <a:t>8/25/25</a:t>
+              <a:t>8/26/25</a:t>
             </a:fld>
             <a:endParaRPr lang="en-US"/>
           </a:p>
@@ -465,7 +465,7 @@
           <a:p>
             <a:fld id="{C10BE67A-F089-334D-87AB-102B20234B04}" type="datetimeFigureOut">
               <a:rPr lang="en-US" smtClean="0"/>
-              <a:t>8/25/25</a:t>
+              <a:t>8/26/25</a:t>
             </a:fld>
             <a:endParaRPr lang="en-US"/>
           </a:p>
@@ -673,7 +673,7 @@
           <a:p>
             <a:fld id="{C10BE67A-F089-334D-87AB-102B20234B04}" type="datetimeFigureOut">
               <a:rPr lang="en-US" smtClean="0"/>
-              <a:t>8/25/25</a:t>
+              <a:t>8/26/25</a:t>
             </a:fld>
             <a:endParaRPr lang="en-US"/>
           </a:p>
@@ -910,7 +910,7 @@
           <a:p>
             <a:fld id="{C10BE67A-F089-334D-87AB-102B20234B04}" type="datetimeFigureOut">
               <a:rPr lang="en-US" smtClean="0"/>
-              <a:t>8/25/25</a:t>
+              <a:t>8/26/25</a:t>
             </a:fld>
             <a:endParaRPr lang="en-US"/>
           </a:p>
@@ -1185,7 +1185,7 @@
           <a:p>
             <a:fld id="{C10BE67A-F089-334D-87AB-102B20234B04}" type="datetimeFigureOut">
               <a:rPr lang="en-US" smtClean="0"/>
-              <a:t>8/25/25</a:t>
+              <a:t>8/26/25</a:t>
             </a:fld>
             <a:endParaRPr lang="en-US"/>
           </a:p>
@@ -1450,7 +1450,7 @@
           <a:p>
             <a:fld id="{C10BE67A-F089-334D-87AB-102B20234B04}" type="datetimeFigureOut">
               <a:rPr lang="en-US" smtClean="0"/>
-              <a:t>8/25/25</a:t>
+              <a:t>8/26/25</a:t>
             </a:fld>
             <a:endParaRPr lang="en-US"/>
           </a:p>
@@ -1862,7 +1862,7 @@
           <a:p>
             <a:fld id="{C10BE67A-F089-334D-87AB-102B20234B04}" type="datetimeFigureOut">
               <a:rPr lang="en-US" smtClean="0"/>
-              <a:t>8/25/25</a:t>
+              <a:t>8/26/25</a:t>
             </a:fld>
             <a:endParaRPr lang="en-US"/>
           </a:p>
@@ -2003,7 +2003,7 @@
           <a:p>
             <a:fld id="{C10BE67A-F089-334D-87AB-102B20234B04}" type="datetimeFigureOut">
               <a:rPr lang="en-US" smtClean="0"/>
-              <a:t>8/25/25</a:t>
+              <a:t>8/26/25</a:t>
             </a:fld>
             <a:endParaRPr lang="en-US"/>
           </a:p>
@@ -2116,7 +2116,7 @@
           <a:p>
             <a:fld id="{C10BE67A-F089-334D-87AB-102B20234B04}" type="datetimeFigureOut">
               <a:rPr lang="en-US" smtClean="0"/>
-              <a:t>8/25/25</a:t>
+              <a:t>8/26/25</a:t>
             </a:fld>
             <a:endParaRPr lang="en-US"/>
           </a:p>
@@ -2427,7 +2427,7 @@
           <a:p>
             <a:fld id="{C10BE67A-F089-334D-87AB-102B20234B04}" type="datetimeFigureOut">
               <a:rPr lang="en-US" smtClean="0"/>
-              <a:t>8/25/25</a:t>
+              <a:t>8/26/25</a:t>
             </a:fld>
             <a:endParaRPr lang="en-US"/>
           </a:p>
@@ -2715,7 +2715,7 @@
           <a:p>
             <a:fld id="{C10BE67A-F089-334D-87AB-102B20234B04}" type="datetimeFigureOut">
               <a:rPr lang="en-US" smtClean="0"/>
-              <a:t>8/25/25</a:t>
+              <a:t>8/26/25</a:t>
             </a:fld>
             <a:endParaRPr lang="en-US"/>
           </a:p>
@@ -2956,7 +2956,7 @@
           <a:p>
             <a:fld id="{C10BE67A-F089-334D-87AB-102B20234B04}" type="datetimeFigureOut">
               <a:rPr lang="en-US" smtClean="0"/>
-              <a:t>8/25/25</a:t>
+              <a:t>8/26/25</a:t>
             </a:fld>
             <a:endParaRPr lang="en-US"/>
           </a:p>
@@ -3641,7 +3641,7 @@
           </a:ln>
           <a:extLst>
             <a:ext uri="{C572A759-6A51-4108-AA02-DFA0A04FC94B}">
-              <ma14:wrappingTextBoxFlag xmlns:ma14="http://schemas.microsoft.com/office/mac/drawingml/2011/main" xmlns="" val="1"/>
+              <ma14:wrappingTextBoxFlag xmlns="" xmlns:ma14="http://schemas.microsoft.com/office/mac/drawingml/2011/main" val="1"/>
             </a:ext>
           </a:extLst>
         </p:spPr>
@@ -3946,7 +3946,7 @@
           </a:ln>
           <a:extLst>
             <a:ext uri="{C572A759-6A51-4108-AA02-DFA0A04FC94B}">
-              <ma14:wrappingTextBoxFlag xmlns:ma14="http://schemas.microsoft.com/office/mac/drawingml/2011/main" xmlns="" val="1"/>
+              <ma14:wrappingTextBoxFlag xmlns="" xmlns:ma14="http://schemas.microsoft.com/office/mac/drawingml/2011/main" val="1"/>
             </a:ext>
           </a:extLst>
         </p:spPr>
